--- a/heartbeat_classification.pptx
+++ b/heartbeat_classification.pptx
@@ -22,6 +22,7 @@
     <p:sldId id="266" r:id="rId16"/>
     <p:sldId id="273" r:id="rId17"/>
     <p:sldId id="272" r:id="rId18"/>
+    <p:sldId id="275" r:id="rId19"/>
   </p:sldIdLst>
   <p:sldSz cx="12192000" cy="6858000"/>
   <p:notesSz cx="6858000" cy="9144000"/>
@@ -1538,7 +1539,7 @@
             <a:fld id="{48A87A34-81AB-432B-8DAE-1953F412C126}" type="datetimeFigureOut">
               <a:rPr lang="en-US" dirty="0"/>
               <a:pPr/>
-              <a:t>4/30/20</a:t>
+              <a:t>5/7/20</a:t>
             </a:fld>
             <a:endParaRPr lang="en-US" dirty="0"/>
           </a:p>
@@ -2992,7 +2993,7 @@
           <a:p>
             <a:fld id="{48A87A34-81AB-432B-8DAE-1953F412C126}" type="datetimeFigureOut">
               <a:rPr lang="en-US" dirty="0"/>
-              <a:t>4/30/20</a:t>
+              <a:t>5/7/20</a:t>
             </a:fld>
             <a:endParaRPr lang="en-US" dirty="0"/>
           </a:p>
@@ -4440,7 +4441,7 @@
           <a:p>
             <a:fld id="{48A87A34-81AB-432B-8DAE-1953F412C126}" type="datetimeFigureOut">
               <a:rPr lang="en-US" dirty="0"/>
-              <a:t>4/30/20</a:t>
+              <a:t>5/7/20</a:t>
             </a:fld>
             <a:endParaRPr lang="en-US" dirty="0"/>
           </a:p>
@@ -5890,7 +5891,7 @@
           <a:p>
             <a:fld id="{48A87A34-81AB-432B-8DAE-1953F412C126}" type="datetimeFigureOut">
               <a:rPr lang="en-US" dirty="0"/>
-              <a:t>4/30/20</a:t>
+              <a:t>5/7/20</a:t>
             </a:fld>
             <a:endParaRPr lang="en-US" dirty="0"/>
           </a:p>
@@ -7393,7 +7394,7 @@
           <a:p>
             <a:fld id="{48A87A34-81AB-432B-8DAE-1953F412C126}" type="datetimeFigureOut">
               <a:rPr lang="en-US" dirty="0"/>
-              <a:t>4/30/20</a:t>
+              <a:t>5/7/20</a:t>
             </a:fld>
             <a:endParaRPr lang="en-US" dirty="0"/>
           </a:p>
@@ -8909,7 +8910,7 @@
           <a:p>
             <a:fld id="{48A87A34-81AB-432B-8DAE-1953F412C126}" type="datetimeFigureOut">
               <a:rPr lang="en-US" dirty="0"/>
-              <a:t>4/30/20</a:t>
+              <a:t>5/7/20</a:t>
             </a:fld>
             <a:endParaRPr lang="en-US" dirty="0"/>
           </a:p>
@@ -10569,7 +10570,7 @@
           <a:p>
             <a:fld id="{48A87A34-81AB-432B-8DAE-1953F412C126}" type="datetimeFigureOut">
               <a:rPr lang="en-US" dirty="0"/>
-              <a:t>4/30/20</a:t>
+              <a:t>5/7/20</a:t>
             </a:fld>
             <a:endParaRPr lang="en-US" dirty="0"/>
           </a:p>
@@ -11962,7 +11963,7 @@
           <a:p>
             <a:fld id="{48A87A34-81AB-432B-8DAE-1953F412C126}" type="datetimeFigureOut">
               <a:rPr lang="en-US" dirty="0"/>
-              <a:t>4/30/20</a:t>
+              <a:t>5/7/20</a:t>
             </a:fld>
             <a:endParaRPr lang="en-US" dirty="0"/>
           </a:p>
@@ -12057,7 +12058,7 @@
           <a:p>
             <a:fld id="{48A87A34-81AB-432B-8DAE-1953F412C126}" type="datetimeFigureOut">
               <a:rPr lang="en-US" dirty="0"/>
-              <a:t>4/30/20</a:t>
+              <a:t>5/7/20</a:t>
             </a:fld>
             <a:endParaRPr lang="en-US" dirty="0"/>
           </a:p>
@@ -13578,7 +13579,7 @@
           <a:p>
             <a:fld id="{48A87A34-81AB-432B-8DAE-1953F412C126}" type="datetimeFigureOut">
               <a:rPr lang="en-US" dirty="0"/>
-              <a:t>4/30/20</a:t>
+              <a:t>5/7/20</a:t>
             </a:fld>
             <a:endParaRPr lang="en-US" dirty="0"/>
           </a:p>
@@ -15109,7 +15110,7 @@
           <a:p>
             <a:fld id="{48A87A34-81AB-432B-8DAE-1953F412C126}" type="datetimeFigureOut">
               <a:rPr lang="en-US" dirty="0"/>
-              <a:t>4/30/20</a:t>
+              <a:t>5/7/20</a:t>
             </a:fld>
             <a:endParaRPr lang="en-US" dirty="0"/>
           </a:p>
@@ -15328,7 +15329,7 @@
             <a:fld id="{48A87A34-81AB-432B-8DAE-1953F412C126}" type="datetimeFigureOut">
               <a:rPr lang="en-US" dirty="0"/>
               <a:pPr/>
-              <a:t>4/30/20</a:t>
+              <a:t>5/7/20</a:t>
             </a:fld>
             <a:endParaRPr lang="en-US" dirty="0"/>
           </a:p>
@@ -17111,12 +17112,12 @@
                     <a:p>
                       <a:pPr algn="ctr" fontAlgn="b"/>
                       <a:r>
-                        <a:rPr lang="en-US" sz="1400" u="none" strike="noStrike">
+                        <a:rPr lang="en-US" sz="1400" u="none" strike="noStrike" dirty="0">
                           <a:effectLst/>
                         </a:rPr>
                         <a:t>0.001</a:t>
                       </a:r>
-                      <a:endParaRPr lang="en-US" sz="1400" b="0" i="0" u="none" strike="noStrike">
+                      <a:endParaRPr lang="en-US" sz="1400" b="0" i="0" u="none" strike="noStrike" dirty="0">
                         <a:solidFill>
                           <a:srgbClr val="000000"/>
                         </a:solidFill>
@@ -19737,7 +19738,7 @@
           <a:p>
             <a:r>
               <a:rPr lang="en-US" dirty="0"/>
-              <a:t>The model has variable but adequate performance for general use</a:t>
+              <a:t>The model has variable but adequate performance for V and S classes</a:t>
             </a:r>
           </a:p>
         </p:txBody>
@@ -19804,7 +19805,7 @@
         <p:spPr>
           <a:xfrm>
             <a:off x="5199410" y="534390"/>
-            <a:ext cx="5939646" cy="285008"/>
+            <a:ext cx="2448297" cy="276501"/>
           </a:xfrm>
           <a:prstGeom prst="rect">
             <a:avLst/>
@@ -19857,8 +19858,8 @@
         </p:nvSpPr>
         <p:spPr>
           <a:xfrm>
-            <a:off x="5199410" y="1136663"/>
-            <a:ext cx="5939645" cy="285008"/>
+            <a:off x="5199411" y="1136663"/>
+            <a:ext cx="5003476" cy="329300"/>
           </a:xfrm>
           <a:prstGeom prst="rect">
             <a:avLst/>
@@ -19965,8 +19966,8 @@
         </p:nvSpPr>
         <p:spPr>
           <a:xfrm>
-            <a:off x="7766463" y="3395970"/>
-            <a:ext cx="2448298" cy="285008"/>
+            <a:off x="7659582" y="3395970"/>
+            <a:ext cx="2555179" cy="285008"/>
           </a:xfrm>
           <a:prstGeom prst="rect">
             <a:avLst/>
@@ -20074,7 +20075,7 @@
         <p:spPr>
           <a:xfrm>
             <a:off x="5199411" y="3086838"/>
-            <a:ext cx="2448297" cy="903272"/>
+            <a:ext cx="2448297" cy="295968"/>
           </a:xfrm>
           <a:prstGeom prst="rect">
             <a:avLst/>
@@ -20127,62 +20128,8 @@
         </p:nvSpPr>
         <p:spPr>
           <a:xfrm>
-            <a:off x="7766463" y="829884"/>
-            <a:ext cx="3372592" cy="285008"/>
-          </a:xfrm>
-          <a:prstGeom prst="rect">
-            <a:avLst/>
-          </a:prstGeom>
-          <a:solidFill>
-            <a:schemeClr val="accent1">
-              <a:alpha val="36863"/>
-            </a:schemeClr>
-          </a:solidFill>
-          <a:ln>
-            <a:noFill/>
-          </a:ln>
-        </p:spPr>
-        <p:style>
-          <a:lnRef idx="2">
-            <a:schemeClr val="accent1">
-              <a:shade val="50000"/>
-            </a:schemeClr>
-          </a:lnRef>
-          <a:fillRef idx="1">
-            <a:schemeClr val="accent1"/>
-          </a:fillRef>
-          <a:effectRef idx="0">
-            <a:schemeClr val="accent1"/>
-          </a:effectRef>
-          <a:fontRef idx="minor">
-            <a:schemeClr val="lt1"/>
-          </a:fontRef>
-        </p:style>
-        <p:txBody>
-          <a:bodyPr rtlCol="0" anchor="ctr"/>
-          <a:lstStyle/>
-          <a:p>
-            <a:pPr algn="ctr"/>
-            <a:endParaRPr lang="en-US"/>
-          </a:p>
-        </p:txBody>
-      </p:sp>
-      <p:sp>
-        <p:nvSpPr>
-          <p:cNvPr id="13" name="Rectangle 12">
-            <a:extLst>
-              <a:ext uri="{FF2B5EF4-FFF2-40B4-BE49-F238E27FC236}">
-                <a16:creationId xmlns:a16="http://schemas.microsoft.com/office/drawing/2014/main" id="{54B6F3B8-187A-8646-B1C9-2DAAA0F924A3}"/>
-              </a:ext>
-            </a:extLst>
-          </p:cNvPr>
-          <p:cNvSpPr/>
-          <p:nvPr/>
-        </p:nvSpPr>
-        <p:spPr>
-          <a:xfrm>
-            <a:off x="7766463" y="1458662"/>
-            <a:ext cx="3372592" cy="285008"/>
+            <a:off x="7647707" y="829884"/>
+            <a:ext cx="2555179" cy="310895"/>
           </a:xfrm>
           <a:prstGeom prst="rect">
             <a:avLst/>
@@ -20235,8 +20182,8 @@
         </p:nvSpPr>
         <p:spPr>
           <a:xfrm>
-            <a:off x="7766463" y="2123812"/>
-            <a:ext cx="2448298" cy="285008"/>
+            <a:off x="7659582" y="2123812"/>
+            <a:ext cx="2555179" cy="285008"/>
           </a:xfrm>
           <a:prstGeom prst="rect">
             <a:avLst/>
@@ -20289,8 +20236,8 @@
         </p:nvSpPr>
         <p:spPr>
           <a:xfrm>
-            <a:off x="7766463" y="2759891"/>
-            <a:ext cx="2448298" cy="285008"/>
+            <a:off x="7659582" y="2759891"/>
+            <a:ext cx="2555179" cy="285008"/>
           </a:xfrm>
           <a:prstGeom prst="rect">
             <a:avLst/>
@@ -20331,10 +20278,10 @@
       </p:sp>
       <p:sp>
         <p:nvSpPr>
-          <p:cNvPr id="16" name="Rectangle 15">
+          <p:cNvPr id="17" name="Rectangle 16">
             <a:extLst>
               <a:ext uri="{FF2B5EF4-FFF2-40B4-BE49-F238E27FC236}">
-                <a16:creationId xmlns:a16="http://schemas.microsoft.com/office/drawing/2014/main" id="{E4925B9C-73E2-1E43-9ED6-B7B4A4B4F34D}"/>
+                <a16:creationId xmlns:a16="http://schemas.microsoft.com/office/drawing/2014/main" id="{2114AD71-A4EE-1C4C-AA10-1013F8AF6586}"/>
               </a:ext>
             </a:extLst>
           </p:cNvPr>
@@ -20343,62 +20290,8 @@
         </p:nvSpPr>
         <p:spPr>
           <a:xfrm>
-            <a:off x="7766463" y="3086838"/>
-            <a:ext cx="2448298" cy="285008"/>
-          </a:xfrm>
-          <a:prstGeom prst="rect">
-            <a:avLst/>
-          </a:prstGeom>
-          <a:solidFill>
-            <a:schemeClr val="accent1">
-              <a:alpha val="36863"/>
-            </a:schemeClr>
-          </a:solidFill>
-          <a:ln>
-            <a:noFill/>
-          </a:ln>
-        </p:spPr>
-        <p:style>
-          <a:lnRef idx="2">
-            <a:schemeClr val="accent1">
-              <a:shade val="50000"/>
-            </a:schemeClr>
-          </a:lnRef>
-          <a:fillRef idx="1">
-            <a:schemeClr val="accent1"/>
-          </a:fillRef>
-          <a:effectRef idx="0">
-            <a:schemeClr val="accent1"/>
-          </a:effectRef>
-          <a:fontRef idx="minor">
-            <a:schemeClr val="lt1"/>
-          </a:fontRef>
-        </p:style>
-        <p:txBody>
-          <a:bodyPr rtlCol="0" anchor="ctr"/>
-          <a:lstStyle/>
-          <a:p>
-            <a:pPr algn="ctr"/>
-            <a:endParaRPr lang="en-US"/>
-          </a:p>
-        </p:txBody>
-      </p:sp>
-      <p:sp>
-        <p:nvSpPr>
-          <p:cNvPr id="17" name="Rectangle 16">
-            <a:extLst>
-              <a:ext uri="{FF2B5EF4-FFF2-40B4-BE49-F238E27FC236}">
-                <a16:creationId xmlns:a16="http://schemas.microsoft.com/office/drawing/2014/main" id="{2114AD71-A4EE-1C4C-AA10-1013F8AF6586}"/>
-              </a:ext>
-            </a:extLst>
-          </p:cNvPr>
-          <p:cNvSpPr/>
-          <p:nvPr/>
-        </p:nvSpPr>
-        <p:spPr>
-          <a:xfrm>
-            <a:off x="7766463" y="1790443"/>
-            <a:ext cx="3372592" cy="285008"/>
+            <a:off x="7619232" y="1790442"/>
+            <a:ext cx="3519823" cy="307957"/>
           </a:xfrm>
           <a:prstGeom prst="rect">
             <a:avLst/>
@@ -20452,7 +20345,7 @@
         <p:spPr>
           <a:xfrm>
             <a:off x="10214761" y="2123811"/>
-            <a:ext cx="924294" cy="611955"/>
+            <a:ext cx="924294" cy="285009"/>
           </a:xfrm>
           <a:prstGeom prst="rect">
             <a:avLst/>
@@ -20559,7 +20452,7 @@
         </p:nvSpPr>
         <p:spPr>
           <a:xfrm>
-            <a:off x="5095235" y="4109649"/>
+            <a:off x="5095235" y="4335281"/>
             <a:ext cx="691215" cy="369332"/>
           </a:xfrm>
           <a:prstGeom prst="rect">
@@ -20594,7 +20487,7 @@
         </p:nvSpPr>
         <p:spPr>
           <a:xfrm>
-            <a:off x="6586332" y="4131621"/>
+            <a:off x="6586332" y="4357253"/>
             <a:ext cx="1180131" cy="369332"/>
           </a:xfrm>
           <a:prstGeom prst="rect">
@@ -20629,7 +20522,7 @@
         </p:nvSpPr>
         <p:spPr>
           <a:xfrm>
-            <a:off x="8566345" y="4131621"/>
+            <a:off x="8566345" y="4357253"/>
             <a:ext cx="734688" cy="369332"/>
           </a:xfrm>
           <a:prstGeom prst="rect">
@@ -20664,7 +20557,7 @@
         </p:nvSpPr>
         <p:spPr>
           <a:xfrm>
-            <a:off x="5095235" y="4193973"/>
+            <a:off x="5095235" y="4407727"/>
             <a:ext cx="734688" cy="321420"/>
           </a:xfrm>
           <a:prstGeom prst="rect">
@@ -20718,8 +20611,8 @@
         </p:nvSpPr>
         <p:spPr>
           <a:xfrm>
-            <a:off x="7754588" y="3693227"/>
-            <a:ext cx="2448298" cy="285008"/>
+            <a:off x="7647707" y="3693227"/>
+            <a:ext cx="2555179" cy="285008"/>
           </a:xfrm>
           <a:prstGeom prst="rect">
             <a:avLst/>
@@ -20772,7 +20665,7 @@
         </p:nvSpPr>
         <p:spPr>
           <a:xfrm>
-            <a:off x="6586332" y="4187539"/>
+            <a:off x="6586332" y="4401293"/>
             <a:ext cx="1168256" cy="291442"/>
           </a:xfrm>
           <a:prstGeom prst="rect">
@@ -20826,7 +20719,7 @@
         </p:nvSpPr>
         <p:spPr>
           <a:xfrm>
-            <a:off x="8574609" y="4187539"/>
+            <a:off x="8574609" y="4401293"/>
             <a:ext cx="726424" cy="313414"/>
           </a:xfrm>
           <a:prstGeom prst="rect">
@@ -20930,8 +20823,191 @@
             </a:pPr>
             <a:r>
               <a:rPr lang="en-US" dirty="0"/>
-              <a:t>Overall specificity and accuracy are high for all records because of heavy class imbalance</a:t>
+              <a:t>Overall specificity and accuracy are high for all records because of heavy class imbalance (N class is well predicted)</a:t>
             </a:r>
+          </a:p>
+        </p:txBody>
+      </p:sp>
+      <p:sp>
+        <p:nvSpPr>
+          <p:cNvPr id="3" name="TextBox 2">
+            <a:extLst>
+              <a:ext uri="{FF2B5EF4-FFF2-40B4-BE49-F238E27FC236}">
+                <a16:creationId xmlns:a16="http://schemas.microsoft.com/office/drawing/2014/main" id="{95A9161D-4F60-DB47-82B7-B8424010C481}"/>
+              </a:ext>
+            </a:extLst>
+          </p:cNvPr>
+          <p:cNvSpPr txBox="1"/>
+          <p:nvPr/>
+        </p:nvSpPr>
+        <p:spPr>
+          <a:xfrm>
+            <a:off x="4785756" y="4038432"/>
+            <a:ext cx="7433445" cy="307777"/>
+          </a:xfrm>
+          <a:prstGeom prst="rect">
+            <a:avLst/>
+          </a:prstGeom>
+          <a:noFill/>
+        </p:spPr>
+        <p:txBody>
+          <a:bodyPr wrap="none" rtlCol="0">
+            <a:spAutoFit/>
+          </a:bodyPr>
+          <a:lstStyle/>
+          <a:p>
+            <a:r>
+              <a:rPr lang="en-US" sz="1400" dirty="0"/>
+              <a:t>* #-count, Se-sensitivity, </a:t>
+            </a:r>
+            <a:r>
+              <a:rPr lang="en-US" sz="1400" dirty="0" err="1"/>
+              <a:t>Pr</a:t>
+            </a:r>
+            <a:r>
+              <a:rPr lang="en-US" sz="1400" dirty="0"/>
+              <a:t>-precision, </a:t>
+            </a:r>
+            <a:r>
+              <a:rPr lang="en-US" sz="1400" dirty="0" err="1"/>
+              <a:t>fpr</a:t>
+            </a:r>
+            <a:r>
+              <a:rPr lang="en-US" sz="1400" dirty="0"/>
+              <a:t>-false positive rate, Acc-accuracy, </a:t>
+            </a:r>
+            <a:r>
+              <a:rPr lang="en-US" sz="1400" dirty="0" err="1"/>
+              <a:t>Sp</a:t>
+            </a:r>
+            <a:r>
+              <a:rPr lang="en-US" sz="1400" dirty="0"/>
+              <a:t>-specificity</a:t>
+            </a:r>
+          </a:p>
+        </p:txBody>
+      </p:sp>
+      <p:sp>
+        <p:nvSpPr>
+          <p:cNvPr id="27" name="TextBox 26">
+            <a:extLst>
+              <a:ext uri="{FF2B5EF4-FFF2-40B4-BE49-F238E27FC236}">
+                <a16:creationId xmlns:a16="http://schemas.microsoft.com/office/drawing/2014/main" id="{2EFBDEDC-0EFD-434E-A447-767A4112531A}"/>
+              </a:ext>
+            </a:extLst>
+          </p:cNvPr>
+          <p:cNvSpPr txBox="1"/>
+          <p:nvPr/>
+        </p:nvSpPr>
+        <p:spPr>
+          <a:xfrm>
+            <a:off x="4775824" y="167518"/>
+            <a:ext cx="304892" cy="369332"/>
+          </a:xfrm>
+          <a:prstGeom prst="rect">
+            <a:avLst/>
+          </a:prstGeom>
+          <a:noFill/>
+        </p:spPr>
+        <p:txBody>
+          <a:bodyPr wrap="none" rtlCol="0">
+            <a:spAutoFit/>
+          </a:bodyPr>
+          <a:lstStyle/>
+          <a:p>
+            <a:r>
+              <a:rPr lang="en-US" dirty="0"/>
+              <a:t>*</a:t>
+            </a:r>
+          </a:p>
+        </p:txBody>
+      </p:sp>
+      <p:sp>
+        <p:nvSpPr>
+          <p:cNvPr id="28" name="TextBox 27">
+            <a:extLst>
+              <a:ext uri="{FF2B5EF4-FFF2-40B4-BE49-F238E27FC236}">
+                <a16:creationId xmlns:a16="http://schemas.microsoft.com/office/drawing/2014/main" id="{53015D38-97E3-5141-9CDF-8934A27746D3}"/>
+              </a:ext>
+            </a:extLst>
+          </p:cNvPr>
+          <p:cNvSpPr txBox="1"/>
+          <p:nvPr/>
+        </p:nvSpPr>
+        <p:spPr>
+          <a:xfrm>
+            <a:off x="9930355" y="4372693"/>
+            <a:ext cx="1509580" cy="369332"/>
+          </a:xfrm>
+          <a:prstGeom prst="rect">
+            <a:avLst/>
+          </a:prstGeom>
+          <a:noFill/>
+        </p:spPr>
+        <p:txBody>
+          <a:bodyPr wrap="none" rtlCol="0">
+            <a:spAutoFit/>
+          </a:bodyPr>
+          <a:lstStyle/>
+          <a:p>
+            <a:r>
+              <a:rPr lang="en-US" dirty="0"/>
+              <a:t>inconclusive</a:t>
+            </a:r>
+          </a:p>
+        </p:txBody>
+      </p:sp>
+      <p:sp>
+        <p:nvSpPr>
+          <p:cNvPr id="29" name="Rectangle 28">
+            <a:extLst>
+              <a:ext uri="{FF2B5EF4-FFF2-40B4-BE49-F238E27FC236}">
+                <a16:creationId xmlns:a16="http://schemas.microsoft.com/office/drawing/2014/main" id="{30B98480-FEC9-DC47-9F74-E955E7A7224B}"/>
+              </a:ext>
+            </a:extLst>
+          </p:cNvPr>
+          <p:cNvSpPr/>
+          <p:nvPr/>
+        </p:nvSpPr>
+        <p:spPr>
+          <a:xfrm>
+            <a:off x="5187534" y="3691882"/>
+            <a:ext cx="2448297" cy="295968"/>
+          </a:xfrm>
+          <a:prstGeom prst="rect">
+            <a:avLst/>
+          </a:prstGeom>
+          <a:solidFill>
+            <a:srgbClr val="92D050">
+              <a:alpha val="36863"/>
+            </a:srgbClr>
+          </a:solidFill>
+          <a:ln>
+            <a:noFill/>
+          </a:ln>
+        </p:spPr>
+        <p:style>
+          <a:lnRef idx="2">
+            <a:schemeClr val="accent1">
+              <a:shade val="50000"/>
+            </a:schemeClr>
+          </a:lnRef>
+          <a:fillRef idx="1">
+            <a:schemeClr val="accent1"/>
+          </a:fillRef>
+          <a:effectRef idx="0">
+            <a:schemeClr val="accent1"/>
+          </a:effectRef>
+          <a:fontRef idx="minor">
+            <a:schemeClr val="lt1"/>
+          </a:fontRef>
+        </p:style>
+        <p:txBody>
+          <a:bodyPr rtlCol="0" anchor="ctr"/>
+          <a:lstStyle/>
+          <a:p>
+            <a:pPr algn="ctr"/>
+            <a:endParaRPr lang="en-US"/>
           </a:p>
         </p:txBody>
       </p:sp>
@@ -21055,6 +21131,135 @@
     <p:extLst>
       <p:ext uri="{BB962C8B-B14F-4D97-AF65-F5344CB8AC3E}">
         <p14:creationId xmlns:p14="http://schemas.microsoft.com/office/powerpoint/2010/main" val="1560435314"/>
+      </p:ext>
+    </p:extLst>
+  </p:cSld>
+  <p:clrMapOvr>
+    <a:masterClrMapping/>
+  </p:clrMapOvr>
+</p:sld>
+</file>
+
+<file path=ppt/slides/slide18.xml><?xml version="1.0" encoding="utf-8"?>
+<p:sld xmlns:a="http://schemas.openxmlformats.org/drawingml/2006/main" xmlns:r="http://schemas.openxmlformats.org/officeDocument/2006/relationships" xmlns:p="http://schemas.openxmlformats.org/presentationml/2006/main">
+  <p:cSld>
+    <p:spTree>
+      <p:nvGrpSpPr>
+        <p:cNvPr id="1" name=""/>
+        <p:cNvGrpSpPr/>
+        <p:nvPr/>
+      </p:nvGrpSpPr>
+      <p:grpSpPr>
+        <a:xfrm>
+          <a:off x="0" y="0"/>
+          <a:ext cx="0" cy="0"/>
+          <a:chOff x="0" y="0"/>
+          <a:chExt cx="0" cy="0"/>
+        </a:xfrm>
+      </p:grpSpPr>
+      <p:sp>
+        <p:nvSpPr>
+          <p:cNvPr id="2" name="Title 1">
+            <a:extLst>
+              <a:ext uri="{FF2B5EF4-FFF2-40B4-BE49-F238E27FC236}">
+                <a16:creationId xmlns:a16="http://schemas.microsoft.com/office/drawing/2014/main" id="{319CB35B-A753-3747-A977-236E14505F70}"/>
+              </a:ext>
+            </a:extLst>
+          </p:cNvPr>
+          <p:cNvSpPr>
+            <a:spLocks noGrp="1"/>
+          </p:cNvSpPr>
+          <p:nvPr>
+            <p:ph type="title"/>
+          </p:nvPr>
+        </p:nvSpPr>
+        <p:spPr/>
+        <p:txBody>
+          <a:bodyPr>
+            <a:normAutofit/>
+          </a:bodyPr>
+          <a:lstStyle/>
+          <a:p>
+            <a:r>
+              <a:rPr lang="en-US" sz="3200" dirty="0"/>
+              <a:t>Acknowledgements </a:t>
+            </a:r>
+          </a:p>
+        </p:txBody>
+      </p:sp>
+      <p:sp>
+        <p:nvSpPr>
+          <p:cNvPr id="3" name="Content Placeholder 2">
+            <a:extLst>
+              <a:ext uri="{FF2B5EF4-FFF2-40B4-BE49-F238E27FC236}">
+                <a16:creationId xmlns:a16="http://schemas.microsoft.com/office/drawing/2014/main" id="{5CED4823-BA98-B447-B931-B61367DE6849}"/>
+              </a:ext>
+            </a:extLst>
+          </p:cNvPr>
+          <p:cNvSpPr>
+            <a:spLocks noGrp="1"/>
+          </p:cNvSpPr>
+          <p:nvPr>
+            <p:ph idx="1"/>
+          </p:nvPr>
+        </p:nvSpPr>
+        <p:spPr>
+          <a:xfrm>
+            <a:off x="4953369" y="1729462"/>
+            <a:ext cx="6281873" cy="966237"/>
+          </a:xfrm>
+        </p:spPr>
+        <p:txBody>
+          <a:bodyPr anchor="t"/>
+          <a:lstStyle/>
+          <a:p>
+            <a:r>
+              <a:rPr lang="en-US" dirty="0"/>
+              <a:t>Thomas Blanchard (mentor)</a:t>
+            </a:r>
+          </a:p>
+          <a:p>
+            <a:r>
+              <a:rPr lang="en-US" dirty="0"/>
+              <a:t>Springboard</a:t>
+            </a:r>
+          </a:p>
+        </p:txBody>
+      </p:sp>
+      <p:pic>
+        <p:nvPicPr>
+          <p:cNvPr id="5" name="Picture 4">
+            <a:extLst>
+              <a:ext uri="{FF2B5EF4-FFF2-40B4-BE49-F238E27FC236}">
+                <a16:creationId xmlns:a16="http://schemas.microsoft.com/office/drawing/2014/main" id="{3B04F5AB-F95B-FF4B-9AA9-100CEADB3BBB}"/>
+              </a:ext>
+            </a:extLst>
+          </p:cNvPr>
+          <p:cNvPicPr>
+            <a:picLocks noChangeAspect="1"/>
+          </p:cNvPicPr>
+          <p:nvPr/>
+        </p:nvPicPr>
+        <p:blipFill>
+          <a:blip r:embed="rId2"/>
+          <a:stretch>
+            <a:fillRect/>
+          </a:stretch>
+        </p:blipFill>
+        <p:spPr>
+          <a:xfrm>
+            <a:off x="4953369" y="3429000"/>
+            <a:ext cx="6350000" cy="2286000"/>
+          </a:xfrm>
+          <a:prstGeom prst="rect">
+            <a:avLst/>
+          </a:prstGeom>
+        </p:spPr>
+      </p:pic>
+    </p:spTree>
+    <p:extLst>
+      <p:ext uri="{BB962C8B-B14F-4D97-AF65-F5344CB8AC3E}">
+        <p14:creationId xmlns:p14="http://schemas.microsoft.com/office/powerpoint/2010/main" val="2066005076"/>
       </p:ext>
     </p:extLst>
   </p:cSld>
@@ -22250,7 +22455,7 @@
           <p:nvPr>
             <p:extLst>
               <p:ext uri="{D42A27DB-BD31-4B8C-83A1-F6EECF244321}">
-                <p14:modId xmlns:p14="http://schemas.microsoft.com/office/powerpoint/2010/main" val="4248815883"/>
+                <p14:modId xmlns:p14="http://schemas.microsoft.com/office/powerpoint/2010/main" val="712042738"/>
               </p:ext>
             </p:extLst>
           </p:nvPr>
